--- a/2024_Project_Crashes/Poster/Forecasting Poster.pptx
+++ b/2024_Project_Crashes/Poster/Forecasting Poster.pptx
@@ -209,7 +209,7 @@
           <a:p>
             <a:fld id="{F2798BA8-950B-4FB2-888D-BE8958DF316F}" type="datetimeFigureOut">
               <a:rPr lang="en-US" smtClean="0"/>
-              <a:t>12/10/2024</a:t>
+              <a:t>12/16/2024</a:t>
             </a:fld>
             <a:endParaRPr lang="en-US"/>
           </a:p>
@@ -691,7 +691,7 @@
           <a:p>
             <a:fld id="{88A716E5-E145-4385-972C-2A5E72706DCA}" type="datetimeFigureOut">
               <a:rPr lang="en-US" smtClean="0"/>
-              <a:t>12/10/2024</a:t>
+              <a:t>12/16/2024</a:t>
             </a:fld>
             <a:endParaRPr lang="en-US"/>
           </a:p>
@@ -861,7 +861,7 @@
           <a:p>
             <a:fld id="{88A716E5-E145-4385-972C-2A5E72706DCA}" type="datetimeFigureOut">
               <a:rPr lang="en-US" smtClean="0"/>
-              <a:t>12/10/2024</a:t>
+              <a:t>12/16/2024</a:t>
             </a:fld>
             <a:endParaRPr lang="en-US"/>
           </a:p>
@@ -1041,7 +1041,7 @@
           <a:p>
             <a:fld id="{88A716E5-E145-4385-972C-2A5E72706DCA}" type="datetimeFigureOut">
               <a:rPr lang="en-US" smtClean="0"/>
-              <a:t>12/10/2024</a:t>
+              <a:t>12/16/2024</a:t>
             </a:fld>
             <a:endParaRPr lang="en-US"/>
           </a:p>
@@ -1211,7 +1211,7 @@
           <a:p>
             <a:fld id="{88A716E5-E145-4385-972C-2A5E72706DCA}" type="datetimeFigureOut">
               <a:rPr lang="en-US" smtClean="0"/>
-              <a:t>12/10/2024</a:t>
+              <a:t>12/16/2024</a:t>
             </a:fld>
             <a:endParaRPr lang="en-US"/>
           </a:p>
@@ -1455,7 +1455,7 @@
           <a:p>
             <a:fld id="{88A716E5-E145-4385-972C-2A5E72706DCA}" type="datetimeFigureOut">
               <a:rPr lang="en-US" smtClean="0"/>
-              <a:t>12/10/2024</a:t>
+              <a:t>12/16/2024</a:t>
             </a:fld>
             <a:endParaRPr lang="en-US"/>
           </a:p>
@@ -1687,7 +1687,7 @@
           <a:p>
             <a:fld id="{88A716E5-E145-4385-972C-2A5E72706DCA}" type="datetimeFigureOut">
               <a:rPr lang="en-US" smtClean="0"/>
-              <a:t>12/10/2024</a:t>
+              <a:t>12/16/2024</a:t>
             </a:fld>
             <a:endParaRPr lang="en-US"/>
           </a:p>
@@ -2054,7 +2054,7 @@
           <a:p>
             <a:fld id="{88A716E5-E145-4385-972C-2A5E72706DCA}" type="datetimeFigureOut">
               <a:rPr lang="en-US" smtClean="0"/>
-              <a:t>12/10/2024</a:t>
+              <a:t>12/16/2024</a:t>
             </a:fld>
             <a:endParaRPr lang="en-US"/>
           </a:p>
@@ -2172,7 +2172,7 @@
           <a:p>
             <a:fld id="{88A716E5-E145-4385-972C-2A5E72706DCA}" type="datetimeFigureOut">
               <a:rPr lang="en-US" smtClean="0"/>
-              <a:t>12/10/2024</a:t>
+              <a:t>12/16/2024</a:t>
             </a:fld>
             <a:endParaRPr lang="en-US"/>
           </a:p>
@@ -2267,7 +2267,7 @@
           <a:p>
             <a:fld id="{88A716E5-E145-4385-972C-2A5E72706DCA}" type="datetimeFigureOut">
               <a:rPr lang="en-US" smtClean="0"/>
-              <a:t>12/10/2024</a:t>
+              <a:t>12/16/2024</a:t>
             </a:fld>
             <a:endParaRPr lang="en-US"/>
           </a:p>
@@ -2544,7 +2544,7 @@
           <a:p>
             <a:fld id="{88A716E5-E145-4385-972C-2A5E72706DCA}" type="datetimeFigureOut">
               <a:rPr lang="en-US" smtClean="0"/>
-              <a:t>12/10/2024</a:t>
+              <a:t>12/16/2024</a:t>
             </a:fld>
             <a:endParaRPr lang="en-US"/>
           </a:p>
@@ -2801,7 +2801,7 @@
           <a:p>
             <a:fld id="{88A716E5-E145-4385-972C-2A5E72706DCA}" type="datetimeFigureOut">
               <a:rPr lang="en-US" smtClean="0"/>
-              <a:t>12/10/2024</a:t>
+              <a:t>12/16/2024</a:t>
             </a:fld>
             <a:endParaRPr lang="en-US"/>
           </a:p>
@@ -3014,7 +3014,7 @@
           <a:p>
             <a:fld id="{88A716E5-E145-4385-972C-2A5E72706DCA}" type="datetimeFigureOut">
               <a:rPr lang="en-US" smtClean="0"/>
-              <a:t>12/10/2024</a:t>
+              <a:t>12/16/2024</a:t>
             </a:fld>
             <a:endParaRPr lang="en-US"/>
           </a:p>
@@ -3542,7 +3542,7 @@
         </p:nvSpPr>
         <p:spPr>
           <a:xfrm>
-            <a:off x="585216" y="7912608"/>
+            <a:off x="609922" y="11097154"/>
             <a:ext cx="13496544" cy="898708"/>
           </a:xfrm>
           <a:prstGeom prst="rect">
@@ -3734,7 +3734,7 @@
         </p:nvSpPr>
         <p:spPr>
           <a:xfrm>
-            <a:off x="29809440" y="12267709"/>
+            <a:off x="29809440" y="9715009"/>
             <a:ext cx="13496544" cy="898708"/>
           </a:xfrm>
           <a:prstGeom prst="rect">
@@ -3847,71 +3847,6 @@
       </p:sp>
       <p:sp>
         <p:nvSpPr>
-          <p:cNvPr id="34" name="TextBox 33">
-            <a:extLst>
-              <a:ext uri="{FF2B5EF4-FFF2-40B4-BE49-F238E27FC236}">
-                <a16:creationId xmlns:a16="http://schemas.microsoft.com/office/drawing/2014/main" id="{FE0CFF14-5BE9-4568-BE2B-1C2A451EAB8A}"/>
-              </a:ext>
-            </a:extLst>
-          </p:cNvPr>
-          <p:cNvSpPr txBox="1"/>
-          <p:nvPr/>
-        </p:nvSpPr>
-        <p:spPr>
-          <a:xfrm>
-            <a:off x="29809439" y="5425534"/>
-            <a:ext cx="13471839" cy="6740307"/>
-          </a:xfrm>
-          <a:prstGeom prst="rect">
-            <a:avLst/>
-          </a:prstGeom>
-          <a:noFill/>
-        </p:spPr>
-        <p:txBody>
-          <a:bodyPr wrap="square" rtlCol="0">
-            <a:spAutoFit/>
-          </a:bodyPr>
-          <a:lstStyle/>
-          <a:p>
-            <a:pPr marL="457200" indent="-457200" algn="just">
-              <a:buFont typeface="Arial" panose="020B0604020202020204" pitchFamily="34" charset="0"/>
-              <a:buChar char="•"/>
-            </a:pPr>
-            <a:r>
-              <a:rPr lang="en-US" sz="3600" dirty="0">
-                <a:latin typeface="+mj-lt"/>
-              </a:rPr>
-              <a:t>The data was prepared and analyzed to evaluate its potential for forecasting. Three response variables were tested: raw crash counts and two different denoised count variables.</a:t>
-            </a:r>
-          </a:p>
-          <a:p>
-            <a:pPr marL="457200" indent="-457200" algn="just">
-              <a:buFont typeface="Arial" panose="020B0604020202020204" pitchFamily="34" charset="0"/>
-              <a:buChar char="•"/>
-            </a:pPr>
-            <a:r>
-              <a:rPr lang="en-US" sz="3600" dirty="0">
-                <a:latin typeface="+mj-lt"/>
-              </a:rPr>
-              <a:t>Multiple model types incorporating various combinations of variables were fitted for each response variable. These included ARIMA, TSLM, and neural network models, along with baseline models such as naïve, seasonal naïve, and drift models.</a:t>
-            </a:r>
-          </a:p>
-          <a:p>
-            <a:pPr marL="457200" indent="-457200" algn="just">
-              <a:buFont typeface="Arial" panose="020B0604020202020204" pitchFamily="34" charset="0"/>
-              <a:buChar char="•"/>
-            </a:pPr>
-            <a:r>
-              <a:rPr lang="en-US" sz="3600" dirty="0">
-                <a:latin typeface="+mj-lt"/>
-              </a:rPr>
-              <a:t>Each model for every response variable was also fitted using varying train-test split proportions. The test set size was incrementally increased from 5% to 30% in 5% intervals. The root mean square error (RMSE) and residuals for each model were captured and analyzed.</a:t>
-            </a:r>
-          </a:p>
-        </p:txBody>
-      </p:sp>
-      <p:sp>
-        <p:nvSpPr>
           <p:cNvPr id="35" name="TextBox 34">
             <a:extLst>
               <a:ext uri="{FF2B5EF4-FFF2-40B4-BE49-F238E27FC236}">
@@ -3924,8 +3859,8 @@
         </p:nvSpPr>
         <p:spPr>
           <a:xfrm>
-            <a:off x="29809440" y="13322682"/>
-            <a:ext cx="13496544" cy="2862322"/>
+            <a:off x="29809440" y="10706050"/>
+            <a:ext cx="13496544" cy="3416320"/>
           </a:xfrm>
           <a:prstGeom prst="rect">
             <a:avLst/>
@@ -3958,7 +3893,7 @@
               <a:rPr lang="en-US" sz="3600" dirty="0">
                 <a:latin typeface="+mj-lt"/>
               </a:rPr>
-              <a:t>Many of the denoised models had much lower RMSEs but their residuals had invalidating patterns to them. </a:t>
+              <a:t>Many of the denoised models had much lower RMSEs but their residuals had invalidating patterns to them. This presents a possible future area of research.</a:t>
             </a:r>
           </a:p>
           <a:p>
@@ -3982,7 +3917,7 @@
         </p:nvSpPr>
         <p:spPr>
           <a:xfrm>
-            <a:off x="29809439" y="24901248"/>
+            <a:off x="29809439" y="22824798"/>
             <a:ext cx="13592799" cy="898708"/>
           </a:xfrm>
           <a:prstGeom prst="rect">
@@ -4030,7 +3965,7 @@
         </p:nvSpPr>
         <p:spPr>
           <a:xfrm>
-            <a:off x="29905693" y="26368417"/>
+            <a:off x="29905693" y="23758567"/>
             <a:ext cx="10549485" cy="5016758"/>
           </a:xfrm>
           <a:prstGeom prst="rect">
@@ -4119,8 +4054,8 @@
         </p:nvSpPr>
         <p:spPr>
           <a:xfrm>
-            <a:off x="585216" y="9250246"/>
-            <a:ext cx="13496544" cy="3093154"/>
+            <a:off x="609922" y="11997935"/>
+            <a:ext cx="13496544" cy="2862322"/>
           </a:xfrm>
           <a:prstGeom prst="rect">
             <a:avLst/>
@@ -4134,9 +4069,6 @@
           <a:lstStyle/>
           <a:p>
             <a:pPr marL="571500" indent="-571500" algn="just">
-              <a:spcAft>
-                <a:spcPts val="1800"/>
-              </a:spcAft>
               <a:buFont typeface="Arial" panose="020B0604020202020204" pitchFamily="34" charset="0"/>
               <a:buChar char="•"/>
             </a:pPr>
@@ -4149,9 +4081,6 @@
           </a:p>
           <a:p>
             <a:pPr marL="571500" indent="-571500" algn="just">
-              <a:spcAft>
-                <a:spcPts val="1800"/>
-              </a:spcAft>
               <a:buFont typeface="Arial" panose="020B0604020202020204" pitchFamily="34" charset="0"/>
               <a:buChar char="•"/>
             </a:pPr>
@@ -4403,7 +4332,7 @@
         </p:blipFill>
         <p:spPr>
           <a:xfrm>
-            <a:off x="29857566" y="15786045"/>
+            <a:off x="29857566" y="13823895"/>
             <a:ext cx="13496544" cy="7198156"/>
           </a:xfrm>
           <a:prstGeom prst="rect">
@@ -4430,7 +4359,7 @@
         </p:nvSpPr>
         <p:spPr>
           <a:xfrm>
-            <a:off x="29809439" y="23136169"/>
+            <a:off x="29809439" y="21040669"/>
             <a:ext cx="13740063" cy="1384995"/>
           </a:xfrm>
           <a:prstGeom prst="rect">
@@ -4686,7 +4615,7 @@
         </p:nvSpPr>
         <p:spPr>
           <a:xfrm>
-            <a:off x="585216" y="5562868"/>
+            <a:off x="585216" y="5394332"/>
             <a:ext cx="13496544" cy="1754326"/>
           </a:xfrm>
           <a:prstGeom prst="rect">
@@ -4797,6 +4726,262 @@
           </a:extLst>
         </p:spPr>
       </p:pic>
+      <p:sp>
+        <p:nvSpPr>
+          <p:cNvPr id="3" name="TextBox 2">
+            <a:extLst>
+              <a:ext uri="{FF2B5EF4-FFF2-40B4-BE49-F238E27FC236}">
+                <a16:creationId xmlns:a16="http://schemas.microsoft.com/office/drawing/2014/main" id="{F55EA2BD-3831-8BEA-16C9-F86ED81B42E4}"/>
+              </a:ext>
+            </a:extLst>
+          </p:cNvPr>
+          <p:cNvSpPr txBox="1"/>
+          <p:nvPr/>
+        </p:nvSpPr>
+        <p:spPr>
+          <a:xfrm>
+            <a:off x="585216" y="7358093"/>
+            <a:ext cx="13496544" cy="898708"/>
+          </a:xfrm>
+          <a:prstGeom prst="rect">
+            <a:avLst/>
+          </a:prstGeom>
+          <a:solidFill>
+            <a:srgbClr val="58267E"/>
+          </a:solidFill>
+          <a:ln>
+            <a:solidFill>
+              <a:srgbClr val="7030A0"/>
+            </a:solidFill>
+          </a:ln>
+        </p:spPr>
+        <p:txBody>
+          <a:bodyPr wrap="square" rtlCol="0">
+            <a:spAutoFit/>
+          </a:bodyPr>
+          <a:lstStyle/>
+          <a:p>
+            <a:pPr algn="ctr"/>
+            <a:r>
+              <a:rPr lang="en-US" sz="5240" b="1" dirty="0">
+                <a:solidFill>
+                  <a:schemeClr val="bg1"/>
+                </a:solidFill>
+                <a:latin typeface="+mj-lt"/>
+              </a:rPr>
+              <a:t>Main Findings</a:t>
+            </a:r>
+          </a:p>
+        </p:txBody>
+      </p:sp>
+      <p:sp>
+        <p:nvSpPr>
+          <p:cNvPr id="6" name="TextBox 5">
+            <a:extLst>
+              <a:ext uri="{FF2B5EF4-FFF2-40B4-BE49-F238E27FC236}">
+                <a16:creationId xmlns:a16="http://schemas.microsoft.com/office/drawing/2014/main" id="{45778A59-8EF5-E722-BBC3-F38A11DBFBFC}"/>
+              </a:ext>
+            </a:extLst>
+          </p:cNvPr>
+          <p:cNvSpPr txBox="1"/>
+          <p:nvPr/>
+        </p:nvSpPr>
+        <p:spPr>
+          <a:xfrm>
+            <a:off x="585216" y="8233796"/>
+            <a:ext cx="13496544" cy="2862322"/>
+          </a:xfrm>
+          <a:prstGeom prst="rect">
+            <a:avLst/>
+          </a:prstGeom>
+          <a:noFill/>
+        </p:spPr>
+        <p:txBody>
+          <a:bodyPr wrap="square" rtlCol="0">
+            <a:spAutoFit/>
+          </a:bodyPr>
+          <a:lstStyle/>
+          <a:p>
+            <a:pPr marL="571500" indent="-571500">
+              <a:buFont typeface="Arial" panose="020B0604020202020204" pitchFamily="34" charset="0"/>
+              <a:buChar char="•"/>
+            </a:pPr>
+            <a:r>
+              <a:rPr lang="en-US" sz="3600" dirty="0">
+                <a:latin typeface="+mj-lt"/>
+              </a:rPr>
+              <a:t>The best model found in this study was an ARIMA model with the raw crash count as response variable and the below listed predictors. </a:t>
+            </a:r>
+          </a:p>
+          <a:p>
+            <a:pPr marL="571500" indent="-571500">
+              <a:buFont typeface="Arial" panose="020B0604020202020204" pitchFamily="34" charset="0"/>
+              <a:buChar char="•"/>
+            </a:pPr>
+            <a:r>
+              <a:rPr lang="en-US" sz="3600" dirty="0">
+                <a:latin typeface="+mj-lt"/>
+              </a:rPr>
+              <a:t>Predictors: Trend component, Seasonal component, LSU Home Football Game, Covid-19 Lockdown, Holidays, and the presence of ice on the roadway. </a:t>
+            </a:r>
+          </a:p>
+        </p:txBody>
+      </p:sp>
+      <p:pic>
+        <p:nvPicPr>
+          <p:cNvPr id="24" name="Picture 23">
+            <a:extLst>
+              <a:ext uri="{FF2B5EF4-FFF2-40B4-BE49-F238E27FC236}">
+                <a16:creationId xmlns:a16="http://schemas.microsoft.com/office/drawing/2014/main" id="{4D655597-94B6-AD7C-E9C2-0298D27CC0EC}"/>
+              </a:ext>
+            </a:extLst>
+          </p:cNvPr>
+          <p:cNvPicPr>
+            <a:picLocks noChangeAspect="1"/>
+          </p:cNvPicPr>
+          <p:nvPr/>
+        </p:nvPicPr>
+        <p:blipFill>
+          <a:blip r:embed="rId11"/>
+          <a:stretch>
+            <a:fillRect/>
+          </a:stretch>
+        </p:blipFill>
+        <p:spPr>
+          <a:xfrm>
+            <a:off x="29664280" y="5278444"/>
+            <a:ext cx="13641704" cy="4303706"/>
+          </a:xfrm>
+          <a:prstGeom prst="rect">
+            <a:avLst/>
+          </a:prstGeom>
+        </p:spPr>
+      </p:pic>
+      <p:sp>
+        <p:nvSpPr>
+          <p:cNvPr id="25" name="TextBox 24">
+            <a:extLst>
+              <a:ext uri="{FF2B5EF4-FFF2-40B4-BE49-F238E27FC236}">
+                <a16:creationId xmlns:a16="http://schemas.microsoft.com/office/drawing/2014/main" id="{EAC5858B-7322-4434-06EA-2BF6D21BA6B3}"/>
+              </a:ext>
+            </a:extLst>
+          </p:cNvPr>
+          <p:cNvSpPr txBox="1"/>
+          <p:nvPr/>
+        </p:nvSpPr>
+        <p:spPr>
+          <a:xfrm>
+            <a:off x="29811441" y="28906639"/>
+            <a:ext cx="10643738" cy="898708"/>
+          </a:xfrm>
+          <a:prstGeom prst="rect">
+            <a:avLst/>
+          </a:prstGeom>
+          <a:solidFill>
+            <a:srgbClr val="58267E"/>
+          </a:solidFill>
+          <a:ln>
+            <a:solidFill>
+              <a:srgbClr val="7030A0"/>
+            </a:solidFill>
+          </a:ln>
+        </p:spPr>
+        <p:txBody>
+          <a:bodyPr wrap="square" rtlCol="0">
+            <a:spAutoFit/>
+          </a:bodyPr>
+          <a:lstStyle/>
+          <a:p>
+            <a:pPr algn="ctr"/>
+            <a:r>
+              <a:rPr lang="en-US" sz="5240" b="1" dirty="0">
+                <a:solidFill>
+                  <a:schemeClr val="bg1"/>
+                </a:solidFill>
+                <a:latin typeface="+mj-lt"/>
+              </a:rPr>
+              <a:t>Contact </a:t>
+            </a:r>
+          </a:p>
+        </p:txBody>
+      </p:sp>
+      <p:sp>
+        <p:nvSpPr>
+          <p:cNvPr id="28" name="TextBox 27">
+            <a:extLst>
+              <a:ext uri="{FF2B5EF4-FFF2-40B4-BE49-F238E27FC236}">
+                <a16:creationId xmlns:a16="http://schemas.microsoft.com/office/drawing/2014/main" id="{C8EB3EEC-9A9C-1E71-6140-BCE739764C9B}"/>
+              </a:ext>
+            </a:extLst>
+          </p:cNvPr>
+          <p:cNvSpPr txBox="1"/>
+          <p:nvPr/>
+        </p:nvSpPr>
+        <p:spPr>
+          <a:xfrm>
+            <a:off x="29809439" y="29805347"/>
+            <a:ext cx="10549485" cy="3046988"/>
+          </a:xfrm>
+          <a:prstGeom prst="rect">
+            <a:avLst/>
+          </a:prstGeom>
+          <a:noFill/>
+        </p:spPr>
+        <p:txBody>
+          <a:bodyPr wrap="square" rtlCol="0">
+            <a:spAutoFit/>
+          </a:bodyPr>
+          <a:lstStyle/>
+          <a:p>
+            <a:pPr marL="514350" indent="-514350">
+              <a:buFont typeface="Arial" panose="020B0604020202020204" pitchFamily="34" charset="0"/>
+              <a:buChar char="•"/>
+            </a:pPr>
+            <a:r>
+              <a:rPr lang="en-US" sz="3200" dirty="0">
+                <a:latin typeface="+mj-lt"/>
+              </a:rPr>
+              <a:t>Michael Allen, Data Analytics Manager, Center for Analytics and Research in Transportation Safety, LSU. </a:t>
+            </a:r>
+          </a:p>
+          <a:p>
+            <a:pPr marL="971550" lvl="1" indent="-514350">
+              <a:buFont typeface="Arial" panose="020B0604020202020204" pitchFamily="34" charset="0"/>
+              <a:buChar char="•"/>
+            </a:pPr>
+            <a:r>
+              <a:rPr lang="en-US" sz="3200" dirty="0">
+                <a:latin typeface="+mj-lt"/>
+              </a:rPr>
+              <a:t>Email: malle72@lsu.edu</a:t>
+            </a:r>
+          </a:p>
+          <a:p>
+            <a:pPr marL="514350" indent="-514350">
+              <a:buFont typeface="Arial" panose="020B0604020202020204" pitchFamily="34" charset="0"/>
+              <a:buChar char="•"/>
+            </a:pPr>
+            <a:r>
+              <a:rPr lang="en-US" sz="3200" dirty="0">
+                <a:latin typeface="+mj-lt"/>
+              </a:rPr>
+              <a:t>Thanos Gentimis, Assistant Professor, Experimental Statistics Department, LSU. </a:t>
+            </a:r>
+          </a:p>
+          <a:p>
+            <a:pPr marL="971550" lvl="1" indent="-514350">
+              <a:buFont typeface="Arial" panose="020B0604020202020204" pitchFamily="34" charset="0"/>
+              <a:buChar char="•"/>
+            </a:pPr>
+            <a:r>
+              <a:rPr lang="en-US" sz="3200" dirty="0">
+                <a:latin typeface="+mj-lt"/>
+              </a:rPr>
+              <a:t>Email: TGentimis@agcenter.lsu.edu</a:t>
+            </a:r>
+          </a:p>
+        </p:txBody>
+      </p:sp>
     </p:spTree>
     <p:extLst>
       <p:ext uri="{BB962C8B-B14F-4D97-AF65-F5344CB8AC3E}">
